--- a/Projeto OPE/16. DFD Essencial de cada Capacidade.pptx
+++ b/Projeto OPE/16. DFD Essencial de cada Capacidade.pptx
@@ -263,7 +263,7 @@
           <a:p>
             <a:fld id="{96C92853-ACC0-4156-8E71-6413E5C9D96D}" type="datetimeFigureOut">
               <a:rPr lang="pt-BR" smtClean="0"/>
-              <a:t>07/04/2020</a:t>
+              <a:t>28/04/2020</a:t>
             </a:fld>
             <a:endParaRPr lang="pt-BR"/>
           </a:p>
@@ -461,7 +461,7 @@
           <a:p>
             <a:fld id="{96C92853-ACC0-4156-8E71-6413E5C9D96D}" type="datetimeFigureOut">
               <a:rPr lang="pt-BR" smtClean="0"/>
-              <a:t>07/04/2020</a:t>
+              <a:t>28/04/2020</a:t>
             </a:fld>
             <a:endParaRPr lang="pt-BR"/>
           </a:p>
@@ -669,7 +669,7 @@
           <a:p>
             <a:fld id="{96C92853-ACC0-4156-8E71-6413E5C9D96D}" type="datetimeFigureOut">
               <a:rPr lang="pt-BR" smtClean="0"/>
-              <a:t>07/04/2020</a:t>
+              <a:t>28/04/2020</a:t>
             </a:fld>
             <a:endParaRPr lang="pt-BR"/>
           </a:p>
@@ -867,7 +867,7 @@
           <a:p>
             <a:fld id="{96C92853-ACC0-4156-8E71-6413E5C9D96D}" type="datetimeFigureOut">
               <a:rPr lang="pt-BR" smtClean="0"/>
-              <a:t>07/04/2020</a:t>
+              <a:t>28/04/2020</a:t>
             </a:fld>
             <a:endParaRPr lang="pt-BR"/>
           </a:p>
@@ -1142,7 +1142,7 @@
           <a:p>
             <a:fld id="{96C92853-ACC0-4156-8E71-6413E5C9D96D}" type="datetimeFigureOut">
               <a:rPr lang="pt-BR" smtClean="0"/>
-              <a:t>07/04/2020</a:t>
+              <a:t>28/04/2020</a:t>
             </a:fld>
             <a:endParaRPr lang="pt-BR"/>
           </a:p>
@@ -1407,7 +1407,7 @@
           <a:p>
             <a:fld id="{96C92853-ACC0-4156-8E71-6413E5C9D96D}" type="datetimeFigureOut">
               <a:rPr lang="pt-BR" smtClean="0"/>
-              <a:t>07/04/2020</a:t>
+              <a:t>28/04/2020</a:t>
             </a:fld>
             <a:endParaRPr lang="pt-BR"/>
           </a:p>
@@ -1819,7 +1819,7 @@
           <a:p>
             <a:fld id="{96C92853-ACC0-4156-8E71-6413E5C9D96D}" type="datetimeFigureOut">
               <a:rPr lang="pt-BR" smtClean="0"/>
-              <a:t>07/04/2020</a:t>
+              <a:t>28/04/2020</a:t>
             </a:fld>
             <a:endParaRPr lang="pt-BR"/>
           </a:p>
@@ -1960,7 +1960,7 @@
           <a:p>
             <a:fld id="{96C92853-ACC0-4156-8E71-6413E5C9D96D}" type="datetimeFigureOut">
               <a:rPr lang="pt-BR" smtClean="0"/>
-              <a:t>07/04/2020</a:t>
+              <a:t>28/04/2020</a:t>
             </a:fld>
             <a:endParaRPr lang="pt-BR"/>
           </a:p>
@@ -2073,7 +2073,7 @@
           <a:p>
             <a:fld id="{96C92853-ACC0-4156-8E71-6413E5C9D96D}" type="datetimeFigureOut">
               <a:rPr lang="pt-BR" smtClean="0"/>
-              <a:t>07/04/2020</a:t>
+              <a:t>28/04/2020</a:t>
             </a:fld>
             <a:endParaRPr lang="pt-BR"/>
           </a:p>
@@ -2384,7 +2384,7 @@
           <a:p>
             <a:fld id="{96C92853-ACC0-4156-8E71-6413E5C9D96D}" type="datetimeFigureOut">
               <a:rPr lang="pt-BR" smtClean="0"/>
-              <a:t>07/04/2020</a:t>
+              <a:t>28/04/2020</a:t>
             </a:fld>
             <a:endParaRPr lang="pt-BR"/>
           </a:p>
@@ -2672,7 +2672,7 @@
           <a:p>
             <a:fld id="{96C92853-ACC0-4156-8E71-6413E5C9D96D}" type="datetimeFigureOut">
               <a:rPr lang="pt-BR" smtClean="0"/>
-              <a:t>07/04/2020</a:t>
+              <a:t>28/04/2020</a:t>
             </a:fld>
             <a:endParaRPr lang="pt-BR"/>
           </a:p>
@@ -2913,7 +2913,7 @@
           <a:p>
             <a:fld id="{96C92853-ACC0-4156-8E71-6413E5C9D96D}" type="datetimeFigureOut">
               <a:rPr lang="pt-BR" smtClean="0"/>
-              <a:t>07/04/2020</a:t>
+              <a:t>28/04/2020</a:t>
             </a:fld>
             <a:endParaRPr lang="pt-BR"/>
           </a:p>
@@ -3410,15 +3410,15 @@
       </p:sp>
       <p:pic>
         <p:nvPicPr>
-          <p:cNvPr id="1030" name="Picture 6">
-            <a:extLst>
-              <a:ext uri="{FF2B5EF4-FFF2-40B4-BE49-F238E27FC236}">
-                <a16:creationId xmlns:a16="http://schemas.microsoft.com/office/drawing/2014/main" id="{4EEB02D2-67D3-45C0-94A1-72A0D0797C95}"/>
+          <p:cNvPr id="6" name="Imagem 5" descr="Tela de celular com texto preto sobre fundo branco&#10;&#10;Descrição gerada automaticamente">
+            <a:extLst>
+              <a:ext uri="{FF2B5EF4-FFF2-40B4-BE49-F238E27FC236}">
+                <a16:creationId xmlns:a16="http://schemas.microsoft.com/office/drawing/2014/main" id="{CCB81292-C389-4BE4-8722-5BA5153C29FB}"/>
               </a:ext>
             </a:extLst>
           </p:cNvPr>
           <p:cNvPicPr>
-            <a:picLocks noChangeAspect="1" noChangeArrowheads="1"/>
+            <a:picLocks noChangeAspect="1"/>
           </p:cNvPicPr>
           <p:nvPr/>
         </p:nvPicPr>
@@ -3430,29 +3430,18 @@
               </a:ext>
             </a:extLst>
           </a:blip>
-          <a:srcRect/>
           <a:stretch>
             <a:fillRect/>
           </a:stretch>
         </p:blipFill>
-        <p:spPr bwMode="auto">
+        <p:spPr>
           <a:xfrm>
-            <a:off x="890588" y="833438"/>
-            <a:ext cx="10410825" cy="5191125"/>
+            <a:off x="0" y="1555550"/>
+            <a:ext cx="12192000" cy="4388050"/>
           </a:xfrm>
           <a:prstGeom prst="rect">
             <a:avLst/>
           </a:prstGeom>
-          <a:noFill/>
-          <a:extLst>
-            <a:ext uri="{909E8E84-426E-40DD-AFC4-6F175D3DCCD1}">
-              <a14:hiddenFill xmlns:a14="http://schemas.microsoft.com/office/drawing/2010/main">
-                <a:solidFill>
-                  <a:srgbClr val="FFFFFF"/>
-                </a:solidFill>
-              </a14:hiddenFill>
-            </a:ext>
-          </a:extLst>
         </p:spPr>
       </p:pic>
     </p:spTree>
@@ -3504,7 +3493,7 @@
         <p:spPr>
           <a:xfrm>
             <a:off x="1524000" y="477838"/>
-            <a:ext cx="9144000" cy="2007910"/>
+            <a:ext cx="9144000" cy="671024"/>
           </a:xfrm>
         </p:spPr>
         <p:txBody>
@@ -3565,10 +3554,10 @@
       </p:sp>
       <p:pic>
         <p:nvPicPr>
-          <p:cNvPr id="5124" name="Picture 4">
-            <a:extLst>
-              <a:ext uri="{FF2B5EF4-FFF2-40B4-BE49-F238E27FC236}">
-                <a16:creationId xmlns:a16="http://schemas.microsoft.com/office/drawing/2014/main" id="{2DD1E803-7946-44D3-9D4F-D5069917E37F}"/>
+          <p:cNvPr id="1026" name="Picture 2">
+            <a:extLst>
+              <a:ext uri="{FF2B5EF4-FFF2-40B4-BE49-F238E27FC236}">
+                <a16:creationId xmlns:a16="http://schemas.microsoft.com/office/drawing/2014/main" id="{EE93E573-D59C-46A0-A9A8-175B3218DDFF}"/>
               </a:ext>
             </a:extLst>
           </p:cNvPr>
@@ -3747,7 +3736,7 @@
         </p:blipFill>
         <p:spPr bwMode="auto">
           <a:xfrm>
-            <a:off x="2428875" y="1279541"/>
+            <a:off x="2428875" y="1119745"/>
             <a:ext cx="7334250" cy="5648325"/>
           </a:xfrm>
           <a:prstGeom prst="rect">
@@ -3875,49 +3864,32 @@
       </p:sp>
       <p:pic>
         <p:nvPicPr>
-          <p:cNvPr id="2050" name="Picture 2">
-            <a:extLst>
-              <a:ext uri="{FF2B5EF4-FFF2-40B4-BE49-F238E27FC236}">
-                <a16:creationId xmlns:a16="http://schemas.microsoft.com/office/drawing/2014/main" id="{915DD48D-26AA-446A-AFE7-5FF76601B11B}"/>
+          <p:cNvPr id="5" name="Imagem 4">
+            <a:extLst>
+              <a:ext uri="{FF2B5EF4-FFF2-40B4-BE49-F238E27FC236}">
+                <a16:creationId xmlns:a16="http://schemas.microsoft.com/office/drawing/2014/main" id="{BC2CF868-7788-470E-A292-AC609CE4DBBE}"/>
               </a:ext>
             </a:extLst>
           </p:cNvPr>
           <p:cNvPicPr>
-            <a:picLocks noChangeAspect="1" noChangeArrowheads="1"/>
+            <a:picLocks noChangeAspect="1"/>
           </p:cNvPicPr>
           <p:nvPr/>
         </p:nvPicPr>
         <p:blipFill>
-          <a:blip r:embed="rId2">
-            <a:extLst>
-              <a:ext uri="{28A0092B-C50C-407E-A947-70E740481C1C}">
-                <a14:useLocalDpi xmlns:a14="http://schemas.microsoft.com/office/drawing/2010/main" val="0"/>
-              </a:ext>
-            </a:extLst>
-          </a:blip>
-          <a:srcRect/>
+          <a:blip r:embed="rId2"/>
           <a:stretch>
             <a:fillRect/>
           </a:stretch>
         </p:blipFill>
-        <p:spPr bwMode="auto">
+        <p:spPr>
           <a:xfrm>
-            <a:off x="2009775" y="1156316"/>
-            <a:ext cx="8172450" cy="5486400"/>
+            <a:off x="2519191" y="980947"/>
+            <a:ext cx="7669433" cy="5877053"/>
           </a:xfrm>
           <a:prstGeom prst="rect">
             <a:avLst/>
           </a:prstGeom>
-          <a:noFill/>
-          <a:extLst>
-            <a:ext uri="{909E8E84-426E-40DD-AFC4-6F175D3DCCD1}">
-              <a14:hiddenFill xmlns:a14="http://schemas.microsoft.com/office/drawing/2010/main">
-                <a:solidFill>
-                  <a:srgbClr val="FFFFFF"/>
-                </a:solidFill>
-              </a14:hiddenFill>
-            </a:ext>
-          </a:extLst>
         </p:spPr>
       </p:pic>
     </p:spTree>
